--- a/slides/On-Campus/04_02_Exam1ReviewSlides.pptx
+++ b/slides/On-Campus/04_02_Exam1ReviewSlides.pptx
@@ -221,7 +221,7 @@
           <a:p>
             <a:fld id="{4D7E51A5-B478-1E40-8CBB-0DAA8831E99D}" type="datetimeFigureOut">
               <a:rPr lang="en-US" smtClean="0"/>
-              <a:t>9/15/21</a:t>
+              <a:t>9/9/22</a:t>
             </a:fld>
             <a:endParaRPr lang="en-US"/>
           </a:p>
@@ -536,7 +536,7 @@
           <a:p>
             <a:fld id="{D0ED587F-861E-6740-9643-E3DDAE89B8D6}" type="datetimeFigureOut">
               <a:rPr lang="en-US" smtClean="0"/>
-              <a:t>9/15/21</a:t>
+              <a:t>9/9/22</a:t>
             </a:fld>
             <a:endParaRPr lang="en-US"/>
           </a:p>
@@ -8249,8 +8249,8 @@
           </a:p>
         </p:txBody>
       </p:sp>
-      <mc:AlternateContent xmlns:mc="http://schemas.openxmlformats.org/markup-compatibility/2006">
-        <mc:Choice xmlns:p14="http://schemas.microsoft.com/office/powerpoint/2010/main" Requires="p14">
+      <mc:AlternateContent xmlns:mc="http://schemas.openxmlformats.org/markup-compatibility/2006" xmlns:p14="http://schemas.microsoft.com/office/powerpoint/2010/main">
+        <mc:Choice Requires="p14">
           <p:contentPart p14:bwMode="auto" r:id="rId2">
             <p14:nvContentPartPr>
               <p14:cNvPr id="6" name="Ink 5">
@@ -8269,7 +8269,7 @@
             </p14:xfrm>
           </p:contentPart>
         </mc:Choice>
-        <mc:Fallback>
+        <mc:Fallback xmlns="">
           <p:pic>
             <p:nvPicPr>
               <p:cNvPr id="6" name="Ink 5">
@@ -10004,8 +10004,8 @@
           </a:p>
         </p:txBody>
       </p:sp>
-      <mc:AlternateContent xmlns:mc="http://schemas.openxmlformats.org/markup-compatibility/2006">
-        <mc:Choice xmlns:p14="http://schemas.microsoft.com/office/powerpoint/2010/main" xmlns:aink="http://schemas.microsoft.com/office/drawing/2016/ink" Requires="p14 aink">
+      <mc:AlternateContent xmlns:mc="http://schemas.openxmlformats.org/markup-compatibility/2006" xmlns:p14="http://schemas.microsoft.com/office/powerpoint/2010/main" xmlns:aink="http://schemas.microsoft.com/office/drawing/2016/ink">
+        <mc:Choice Requires="p14 aink">
           <p:contentPart p14:bwMode="auto" r:id="rId2">
             <p14:nvContentPartPr>
               <p14:cNvPr id="21" name="Ink 20">
@@ -10024,7 +10024,7 @@
             </p14:xfrm>
           </p:contentPart>
         </mc:Choice>
-        <mc:Fallback>
+        <mc:Fallback xmlns="">
           <p:pic>
             <p:nvPicPr>
               <p:cNvPr id="21" name="Ink 20">
@@ -10055,8 +10055,8 @@
           </p:pic>
         </mc:Fallback>
       </mc:AlternateContent>
-      <mc:AlternateContent xmlns:mc="http://schemas.openxmlformats.org/markup-compatibility/2006">
-        <mc:Choice xmlns:p14="http://schemas.microsoft.com/office/powerpoint/2010/main" xmlns:aink="http://schemas.microsoft.com/office/drawing/2016/ink" Requires="p14 aink">
+      <mc:AlternateContent xmlns:mc="http://schemas.openxmlformats.org/markup-compatibility/2006" xmlns:p14="http://schemas.microsoft.com/office/powerpoint/2010/main" xmlns:aink="http://schemas.microsoft.com/office/drawing/2016/ink">
+        <mc:Choice Requires="p14 aink">
           <p:contentPart p14:bwMode="auto" r:id="rId4">
             <p14:nvContentPartPr>
               <p14:cNvPr id="22" name="Ink 21">
@@ -10075,7 +10075,7 @@
             </p14:xfrm>
           </p:contentPart>
         </mc:Choice>
-        <mc:Fallback>
+        <mc:Fallback xmlns="">
           <p:pic>
             <p:nvPicPr>
               <p:cNvPr id="22" name="Ink 21">
@@ -10106,8 +10106,8 @@
           </p:pic>
         </mc:Fallback>
       </mc:AlternateContent>
-      <mc:AlternateContent xmlns:mc="http://schemas.openxmlformats.org/markup-compatibility/2006">
-        <mc:Choice xmlns:p14="http://schemas.microsoft.com/office/powerpoint/2010/main" Requires="p14">
+      <mc:AlternateContent xmlns:mc="http://schemas.openxmlformats.org/markup-compatibility/2006" xmlns:p14="http://schemas.microsoft.com/office/powerpoint/2010/main">
+        <mc:Choice Requires="p14">
           <p:contentPart p14:bwMode="auto" r:id="rId6">
             <p14:nvContentPartPr>
               <p14:cNvPr id="23" name="Ink 22">
@@ -10126,7 +10126,7 @@
             </p14:xfrm>
           </p:contentPart>
         </mc:Choice>
-        <mc:Fallback>
+        <mc:Fallback xmlns="">
           <p:pic>
             <p:nvPicPr>
               <p:cNvPr id="23" name="Ink 22">
@@ -10192,8 +10192,8 @@
           </a:p>
         </p:txBody>
       </p:sp>
-      <mc:AlternateContent xmlns:mc="http://schemas.openxmlformats.org/markup-compatibility/2006">
-        <mc:Choice xmlns:p14="http://schemas.microsoft.com/office/powerpoint/2010/main" Requires="p14">
+      <mc:AlternateContent xmlns:mc="http://schemas.openxmlformats.org/markup-compatibility/2006" xmlns:p14="http://schemas.microsoft.com/office/powerpoint/2010/main">
+        <mc:Choice Requires="p14">
           <p:contentPart p14:bwMode="auto" r:id="rId8">
             <p14:nvContentPartPr>
               <p14:cNvPr id="25" name="Ink 24">
@@ -10212,7 +10212,7 @@
             </p14:xfrm>
           </p:contentPart>
         </mc:Choice>
-        <mc:Fallback>
+        <mc:Fallback xmlns="">
           <p:pic>
             <p:nvPicPr>
               <p:cNvPr id="25" name="Ink 24">
@@ -17086,7 +17086,7 @@
         <p:spPr>
           <a:xfrm>
             <a:off x="628075" y="1776683"/>
-            <a:ext cx="12561453" cy="3057504"/>
+            <a:ext cx="12561453" cy="2575064"/>
           </a:xfrm>
         </p:spPr>
         <p:txBody>
@@ -17132,10 +17132,12 @@
             <a:pPr lvl="1"/>
             <a:r>
               <a:rPr lang="en-US" dirty="0"/>
-              <a:t>Accommodations – Use SDC or show up Friday 12-2 (start – end at 4), CSB 120 or CSB 110 (find the CS 163/4 TAs)</a:t>
-            </a:r>
-          </a:p>
-          <a:p>
+              <a:t>Accommodations – </a:t>
+            </a:r>
+            <a:r>
+              <a:rPr lang="en-US"/>
+              <a:t>Use SDC</a:t>
+            </a:r>
             <a:endParaRPr lang="en-US" dirty="0"/>
           </a:p>
         </p:txBody>
